--- a/Final_Project/12-20_Revisions/Blue_Team_PowerPoint.pptx
+++ b/Final_Project/12-20_Revisions/Blue_Team_PowerPoint.pptx
@@ -221,7 +221,7 @@
           <a:p>
             <a:fld id="{BD7CFBD1-0358-4DBD-A3C8-C700BA589B66}" type="datetimeFigureOut">
               <a:rPr lang="en-US" smtClean="0"/>
-              <a:t>12/20/2025</a:t>
+              <a:t>12/21/25</a:t>
             </a:fld>
             <a:endParaRPr lang="en-US"/>
           </a:p>
@@ -993,7 +993,7 @@
           <a:p>
             <a:fld id="{53BEF823-48A5-43FC-BE03-E79964288B41}" type="datetimeFigureOut">
               <a:rPr lang="en-US" smtClean="0"/>
-              <a:t>12/20/2025</a:t>
+              <a:t>12/21/25</a:t>
             </a:fld>
             <a:endParaRPr lang="en-US" dirty="0"/>
           </a:p>
@@ -1204,7 +1204,7 @@
             <a:fld id="{53BEF823-48A5-43FC-BE03-E79964288B41}" type="datetimeFigureOut">
               <a:rPr lang="en-US" smtClean="0"/>
               <a:pPr algn="r"/>
-              <a:t>12/20/2025</a:t>
+              <a:t>12/21/25</a:t>
             </a:fld>
             <a:endParaRPr lang="en-US" dirty="0"/>
           </a:p>
@@ -1419,7 +1419,7 @@
             <a:fld id="{53BEF823-48A5-43FC-BE03-E79964288B41}" type="datetimeFigureOut">
               <a:rPr lang="en-US" smtClean="0"/>
               <a:pPr algn="r"/>
-              <a:t>12/20/2025</a:t>
+              <a:t>12/21/25</a:t>
             </a:fld>
             <a:endParaRPr lang="en-US" dirty="0"/>
           </a:p>
@@ -1622,7 +1622,7 @@
             <a:fld id="{53BEF823-48A5-43FC-BE03-E79964288B41}" type="datetimeFigureOut">
               <a:rPr lang="en-US" smtClean="0"/>
               <a:pPr algn="r"/>
-              <a:t>12/20/2025</a:t>
+              <a:t>12/21/25</a:t>
             </a:fld>
             <a:endParaRPr lang="en-US" dirty="0"/>
           </a:p>
@@ -1906,7 +1906,7 @@
             <a:fld id="{53BEF823-48A5-43FC-BE03-E79964288B41}" type="datetimeFigureOut">
               <a:rPr lang="en-US" smtClean="0"/>
               <a:pPr algn="r"/>
-              <a:t>12/20/2025</a:t>
+              <a:t>12/21/25</a:t>
             </a:fld>
             <a:endParaRPr lang="en-US" dirty="0"/>
           </a:p>
@@ -2150,7 +2150,7 @@
             <a:fld id="{53BEF823-48A5-43FC-BE03-E79964288B41}" type="datetimeFigureOut">
               <a:rPr lang="en-US" smtClean="0"/>
               <a:pPr algn="r"/>
-              <a:t>12/20/2025</a:t>
+              <a:t>12/21/25</a:t>
             </a:fld>
             <a:endParaRPr lang="en-US" dirty="0"/>
           </a:p>
@@ -2593,7 +2593,7 @@
             <a:fld id="{53BEF823-48A5-43FC-BE03-E79964288B41}" type="datetimeFigureOut">
               <a:rPr lang="en-US" smtClean="0"/>
               <a:pPr algn="r"/>
-              <a:t>12/20/2025</a:t>
+              <a:t>12/21/25</a:t>
             </a:fld>
             <a:endParaRPr lang="en-US" dirty="0"/>
           </a:p>
@@ -2739,7 +2739,7 @@
             <a:fld id="{53BEF823-48A5-43FC-BE03-E79964288B41}" type="datetimeFigureOut">
               <a:rPr lang="en-US" smtClean="0"/>
               <a:pPr algn="r"/>
-              <a:t>12/20/2025</a:t>
+              <a:t>12/21/25</a:t>
             </a:fld>
             <a:endParaRPr lang="en-US" dirty="0"/>
           </a:p>
@@ -2857,7 +2857,7 @@
             <a:fld id="{53BEF823-48A5-43FC-BE03-E79964288B41}" type="datetimeFigureOut">
               <a:rPr lang="en-US" smtClean="0"/>
               <a:pPr algn="r"/>
-              <a:t>12/20/2025</a:t>
+              <a:t>12/21/25</a:t>
             </a:fld>
             <a:endParaRPr lang="en-US" dirty="0"/>
           </a:p>
@@ -3141,7 +3141,7 @@
             <a:fld id="{53BEF823-48A5-43FC-BE03-E79964288B41}" type="datetimeFigureOut">
               <a:rPr lang="en-US" smtClean="0"/>
               <a:pPr algn="r"/>
-              <a:t>12/20/2025</a:t>
+              <a:t>12/21/25</a:t>
             </a:fld>
             <a:endParaRPr lang="en-US" dirty="0"/>
           </a:p>
@@ -3436,7 +3436,7 @@
             <a:fld id="{53BEF823-48A5-43FC-BE03-E79964288B41}" type="datetimeFigureOut">
               <a:rPr lang="en-US" smtClean="0"/>
               <a:pPr algn="r"/>
-              <a:t>12/20/2025</a:t>
+              <a:t>12/21/25</a:t>
             </a:fld>
             <a:endParaRPr lang="en-US" dirty="0"/>
           </a:p>
@@ -3931,7 +3931,7 @@
             <a:fld id="{53BEF823-48A5-43FC-BE03-E79964288B41}" type="datetimeFigureOut">
               <a:rPr lang="en-US" smtClean="0"/>
               <a:pPr algn="r"/>
-              <a:t>12/20/2025</a:t>
+              <a:t>12/21/25</a:t>
             </a:fld>
             <a:endParaRPr lang="en-US" dirty="0"/>
           </a:p>
@@ -9688,12 +9688,104 @@
           </a:p>
         </p:txBody>
       </p:sp>
+      <p:sp>
+        <p:nvSpPr>
+          <p:cNvPr id="6" name="TextBox 5">
+            <a:extLst>
+              <a:ext uri="{FF2B5EF4-FFF2-40B4-BE49-F238E27FC236}">
+                <a16:creationId xmlns:a16="http://schemas.microsoft.com/office/drawing/2014/main" id="{080378AC-DB5A-0C2C-3672-E3D468B293D9}"/>
+              </a:ext>
+            </a:extLst>
+          </p:cNvPr>
+          <p:cNvSpPr txBox="1"/>
+          <p:nvPr/>
+        </p:nvSpPr>
+        <p:spPr>
+          <a:xfrm>
+            <a:off x="221070" y="1510249"/>
+            <a:ext cx="3972558" cy="2462213"/>
+          </a:xfrm>
+          <a:prstGeom prst="rect">
+            <a:avLst/>
+          </a:prstGeom>
+          <a:noFill/>
+        </p:spPr>
+        <p:txBody>
+          <a:bodyPr wrap="square" rtlCol="0">
+            <a:spAutoFit/>
+          </a:bodyPr>
+          <a:lstStyle/>
+          <a:p>
+            <a:r>
+              <a:rPr lang="en-US" sz="1400" dirty="0"/>
+              <a:t>This report was generated to show the average number of hours worked per quarter for each employee. This report uses a dataset for each quarter and a yearly average. </a:t>
+            </a:r>
+          </a:p>
+          <a:p>
+            <a:endParaRPr lang="en-US" sz="1400" dirty="0"/>
+          </a:p>
+          <a:p>
+            <a:r>
+              <a:rPr lang="en-US" sz="1400" dirty="0"/>
+              <a:t>The report shows the average hours worked per week over each quarter for the last year for all hourly employees with their department.</a:t>
+            </a:r>
+          </a:p>
+          <a:p>
+            <a:endParaRPr lang="en-US" sz="1400" dirty="0"/>
+          </a:p>
+          <a:p>
+            <a:r>
+              <a:rPr lang="en-US" sz="1400" dirty="0"/>
+              <a:t>This report is organized first by department, then by the employee’s last name.</a:t>
+            </a:r>
+          </a:p>
+        </p:txBody>
+      </p:sp>
+      <p:sp>
+        <p:nvSpPr>
+          <p:cNvPr id="7" name="TextBox 6">
+            <a:extLst>
+              <a:ext uri="{FF2B5EF4-FFF2-40B4-BE49-F238E27FC236}">
+                <a16:creationId xmlns:a16="http://schemas.microsoft.com/office/drawing/2014/main" id="{598793F1-6AC0-4B77-4219-80127B572EC5}"/>
+              </a:ext>
+            </a:extLst>
+          </p:cNvPr>
+          <p:cNvSpPr txBox="1"/>
+          <p:nvPr/>
+        </p:nvSpPr>
+        <p:spPr>
+          <a:xfrm>
+            <a:off x="221070" y="4568311"/>
+            <a:ext cx="3972558" cy="1754326"/>
+          </a:xfrm>
+          <a:prstGeom prst="rect">
+            <a:avLst/>
+          </a:prstGeom>
+          <a:noFill/>
+        </p:spPr>
+        <p:txBody>
+          <a:bodyPr wrap="square" rtlCol="0">
+            <a:spAutoFit/>
+          </a:bodyPr>
+          <a:lstStyle/>
+          <a:p>
+            <a:r>
+              <a:rPr lang="en-US" b="1" u="sng" dirty="0"/>
+              <a:t>Use case</a:t>
+            </a:r>
+            <a:r>
+              <a:rPr lang="en-US" dirty="0"/>
+              <a:t>: Bacchus Winery can use this report to budget for payroll, monitor department productivity, and gain business insight based on the hours expended for each department.</a:t>
+            </a:r>
+          </a:p>
+        </p:txBody>
+      </p:sp>
       <p:pic>
         <p:nvPicPr>
-          <p:cNvPr id="4" name="Picture 3" descr="A screenshot of a computer program&#10;&#10;AI-generated content may be incorrect.">
-            <a:extLst>
-              <a:ext uri="{FF2B5EF4-FFF2-40B4-BE49-F238E27FC236}">
-                <a16:creationId xmlns:a16="http://schemas.microsoft.com/office/drawing/2014/main" id="{EEA6E54A-7679-A57B-B11F-C96F89CD2740}"/>
+          <p:cNvPr id="8" name="Picture 7" descr="A screenshot of a computer screen&#10;&#10;AI-generated content may be incorrect.">
+            <a:extLst>
+              <a:ext uri="{FF2B5EF4-FFF2-40B4-BE49-F238E27FC236}">
+                <a16:creationId xmlns:a16="http://schemas.microsoft.com/office/drawing/2014/main" id="{C9D69223-5907-32CA-E551-B7311804EFC8}"/>
               </a:ext>
             </a:extLst>
           </p:cNvPr>
@@ -9710,121 +9802,8 @@
         </p:blipFill>
         <p:spPr>
           <a:xfrm>
-            <a:off x="567973" y="3794235"/>
-            <a:ext cx="4832614" cy="2769521"/>
-          </a:xfrm>
-          <a:prstGeom prst="rect">
-            <a:avLst/>
-          </a:prstGeom>
-        </p:spPr>
-      </p:pic>
-      <p:sp>
-        <p:nvSpPr>
-          <p:cNvPr id="12" name="TextBox 11">
-            <a:extLst>
-              <a:ext uri="{FF2B5EF4-FFF2-40B4-BE49-F238E27FC236}">
-                <a16:creationId xmlns:a16="http://schemas.microsoft.com/office/drawing/2014/main" id="{06F552BB-E579-CEFA-4524-A94D046120C7}"/>
-              </a:ext>
-            </a:extLst>
-          </p:cNvPr>
-          <p:cNvSpPr txBox="1"/>
-          <p:nvPr/>
-        </p:nvSpPr>
-        <p:spPr>
-          <a:xfrm>
-            <a:off x="499876" y="1365125"/>
-            <a:ext cx="4963774" cy="2031325"/>
-          </a:xfrm>
-          <a:prstGeom prst="rect">
-            <a:avLst/>
-          </a:prstGeom>
-          <a:noFill/>
-        </p:spPr>
-        <p:txBody>
-          <a:bodyPr wrap="square" rtlCol="0">
-            <a:spAutoFit/>
-          </a:bodyPr>
-          <a:lstStyle/>
-          <a:p>
-            <a:r>
-              <a:rPr lang="en-US" sz="1400" dirty="0"/>
-              <a:t>This report was generated to show the average number of hours worked per quarter for each employee. This report uses a dataset for each quarter and a yearly average. </a:t>
-            </a:r>
-          </a:p>
-          <a:p>
-            <a:endParaRPr lang="en-US" sz="1400" dirty="0"/>
-          </a:p>
-          <a:p>
-            <a:r>
-              <a:rPr lang="en-US" sz="1400" dirty="0"/>
-              <a:t>Two outputs are produced: the first is a list of each employee’s ID, followed by their name and average hours worked; The other report shows the average hours worked per week over each quarter for the last year for all hourly employees with their department.</a:t>
-            </a:r>
-          </a:p>
-        </p:txBody>
-      </p:sp>
-      <p:sp>
-        <p:nvSpPr>
-          <p:cNvPr id="14" name="TextBox 13">
-            <a:extLst>
-              <a:ext uri="{FF2B5EF4-FFF2-40B4-BE49-F238E27FC236}">
-                <a16:creationId xmlns:a16="http://schemas.microsoft.com/office/drawing/2014/main" id="{D52188C2-5F50-6D9E-415A-9573134B4E75}"/>
-              </a:ext>
-            </a:extLst>
-          </p:cNvPr>
-          <p:cNvSpPr txBox="1"/>
-          <p:nvPr/>
-        </p:nvSpPr>
-        <p:spPr>
-          <a:xfrm>
-            <a:off x="5633544" y="4884706"/>
-            <a:ext cx="5349765" cy="1200329"/>
-          </a:xfrm>
-          <a:prstGeom prst="rect">
-            <a:avLst/>
-          </a:prstGeom>
-          <a:noFill/>
-        </p:spPr>
-        <p:txBody>
-          <a:bodyPr wrap="square" rtlCol="0">
-            <a:spAutoFit/>
-          </a:bodyPr>
-          <a:lstStyle/>
-          <a:p>
-            <a:r>
-              <a:rPr lang="en-US" b="1" u="sng" dirty="0"/>
-              <a:t>Use case</a:t>
-            </a:r>
-            <a:r>
-              <a:rPr lang="en-US" dirty="0"/>
-              <a:t>: Bacchus Winery can use this report to budget for payroll, monitor department productivity, and gain business insight based on the hours expended for each department.</a:t>
-            </a:r>
-          </a:p>
-        </p:txBody>
-      </p:sp>
-      <p:pic>
-        <p:nvPicPr>
-          <p:cNvPr id="5" name="Picture 4" descr="A screenshot of a computer screen&#10;&#10;AI-generated content may be incorrect.">
-            <a:extLst>
-              <a:ext uri="{FF2B5EF4-FFF2-40B4-BE49-F238E27FC236}">
-                <a16:creationId xmlns:a16="http://schemas.microsoft.com/office/drawing/2014/main" id="{F23F8FF3-1BA8-FF20-DE1E-D3FC0EE29D43}"/>
-              </a:ext>
-            </a:extLst>
-          </p:cNvPr>
-          <p:cNvPicPr>
-            <a:picLocks noChangeAspect="1"/>
-          </p:cNvPicPr>
-          <p:nvPr/>
-        </p:nvPicPr>
-        <p:blipFill>
-          <a:blip r:embed="rId3"/>
-          <a:stretch>
-            <a:fillRect/>
-          </a:stretch>
-        </p:blipFill>
-        <p:spPr>
-          <a:xfrm>
-            <a:off x="5633544" y="1011474"/>
-            <a:ext cx="6404958" cy="3581548"/>
+            <a:off x="4298731" y="1300893"/>
+            <a:ext cx="7771302" cy="4345585"/>
           </a:xfrm>
           <a:prstGeom prst="rect">
             <a:avLst/>
